--- a/Materialien/Powerpoint/Was ist AAA.pptx
+++ b/Materialien/Powerpoint/Was ist AAA.pptx
@@ -672,7 +672,7 @@
   <pc:docChgLst>
     <pc:chgData name="Sebastian Meine" userId="f54488a2a6b7dc9e" providerId="LiveId" clId="{288ED3A2-B41F-4C95-BE62-8E9C15805604}"/>
     <pc:docChg chg="undo custSel delSld modSld">
-      <pc:chgData name="Sebastian Meine" userId="f54488a2a6b7dc9e" providerId="LiveId" clId="{288ED3A2-B41F-4C95-BE62-8E9C15805604}" dt="2021-07-15T13:53:53.432" v="183" actId="115"/>
+      <pc:chgData name="Sebastian Meine" userId="f54488a2a6b7dc9e" providerId="LiveId" clId="{288ED3A2-B41F-4C95-BE62-8E9C15805604}" dt="2021-07-20T10:39:32.630" v="184" actId="14100"/>
       <pc:docMkLst>
         <pc:docMk/>
       </pc:docMkLst>
@@ -707,7 +707,7 @@
         </pc:sldMkLst>
       </pc:sldChg>
       <pc:sldChg chg="modSp mod modAnim">
-        <pc:chgData name="Sebastian Meine" userId="f54488a2a6b7dc9e" providerId="LiveId" clId="{288ED3A2-B41F-4C95-BE62-8E9C15805604}" dt="2021-07-15T13:53:53.432" v="183" actId="115"/>
+        <pc:chgData name="Sebastian Meine" userId="f54488a2a6b7dc9e" providerId="LiveId" clId="{288ED3A2-B41F-4C95-BE62-8E9C15805604}" dt="2021-07-20T10:39:32.630" v="184" actId="14100"/>
         <pc:sldMkLst>
           <pc:docMk/>
           <pc:sldMk cId="2435630695" sldId="260"/>
@@ -721,7 +721,7 @@
           </ac:spMkLst>
         </pc:spChg>
         <pc:spChg chg="mod">
-          <ac:chgData name="Sebastian Meine" userId="f54488a2a6b7dc9e" providerId="LiveId" clId="{288ED3A2-B41F-4C95-BE62-8E9C15805604}" dt="2021-07-15T13:53:53.432" v="183" actId="115"/>
+          <ac:chgData name="Sebastian Meine" userId="f54488a2a6b7dc9e" providerId="LiveId" clId="{288ED3A2-B41F-4C95-BE62-8E9C15805604}" dt="2021-07-20T10:39:32.630" v="184" actId="14100"/>
           <ac:spMkLst>
             <pc:docMk/>
             <pc:sldMk cId="2435630695" sldId="260"/>
@@ -968,7 +968,7 @@
           <a:p>
             <a:fld id="{D4AD37E9-5A10-49A7-855D-CAA2D2E848B6}" type="datetimeFigureOut">
               <a:rPr lang="de-DE" smtClean="0"/>
-              <a:t>15.07.2021</a:t>
+              <a:t>20.07.2021</a:t>
             </a:fld>
             <a:endParaRPr lang="de-DE"/>
           </a:p>
@@ -1249,7 +1249,7 @@
           <a:p>
             <a:fld id="{D4AD37E9-5A10-49A7-855D-CAA2D2E848B6}" type="datetimeFigureOut">
               <a:rPr lang="de-DE" smtClean="0"/>
-              <a:t>15.07.2021</a:t>
+              <a:t>20.07.2021</a:t>
             </a:fld>
             <a:endParaRPr lang="de-DE"/>
           </a:p>
@@ -1441,7 +1441,7 @@
           <a:p>
             <a:fld id="{D4AD37E9-5A10-49A7-855D-CAA2D2E848B6}" type="datetimeFigureOut">
               <a:rPr lang="de-DE" smtClean="0"/>
-              <a:t>15.07.2021</a:t>
+              <a:t>20.07.2021</a:t>
             </a:fld>
             <a:endParaRPr lang="de-DE"/>
           </a:p>
@@ -1702,7 +1702,7 @@
           <a:p>
             <a:fld id="{D4AD37E9-5A10-49A7-855D-CAA2D2E848B6}" type="datetimeFigureOut">
               <a:rPr lang="de-DE" smtClean="0"/>
-              <a:t>15.07.2021</a:t>
+              <a:t>20.07.2021</a:t>
             </a:fld>
             <a:endParaRPr lang="de-DE"/>
           </a:p>
@@ -2128,7 +2128,7 @@
           <a:p>
             <a:fld id="{D4AD37E9-5A10-49A7-855D-CAA2D2E848B6}" type="datetimeFigureOut">
               <a:rPr lang="de-DE" smtClean="0"/>
-              <a:t>15.07.2021</a:t>
+              <a:t>20.07.2021</a:t>
             </a:fld>
             <a:endParaRPr lang="de-DE"/>
           </a:p>
@@ -2674,7 +2674,7 @@
           <a:p>
             <a:fld id="{D4AD37E9-5A10-49A7-855D-CAA2D2E848B6}" type="datetimeFigureOut">
               <a:rPr lang="de-DE" smtClean="0"/>
-              <a:t>15.07.2021</a:t>
+              <a:t>20.07.2021</a:t>
             </a:fld>
             <a:endParaRPr lang="de-DE"/>
           </a:p>
@@ -3505,7 +3505,7 @@
           <a:p>
             <a:fld id="{D4AD37E9-5A10-49A7-855D-CAA2D2E848B6}" type="datetimeFigureOut">
               <a:rPr lang="de-DE" smtClean="0"/>
-              <a:t>15.07.2021</a:t>
+              <a:t>20.07.2021</a:t>
             </a:fld>
             <a:endParaRPr lang="de-DE"/>
           </a:p>
@@ -3675,7 +3675,7 @@
           <a:p>
             <a:fld id="{D4AD37E9-5A10-49A7-855D-CAA2D2E848B6}" type="datetimeFigureOut">
               <a:rPr lang="de-DE" smtClean="0"/>
-              <a:t>15.07.2021</a:t>
+              <a:t>20.07.2021</a:t>
             </a:fld>
             <a:endParaRPr lang="de-DE"/>
           </a:p>
@@ -3855,7 +3855,7 @@
           <a:p>
             <a:fld id="{D4AD37E9-5A10-49A7-855D-CAA2D2E848B6}" type="datetimeFigureOut">
               <a:rPr lang="de-DE" smtClean="0"/>
-              <a:t>15.07.2021</a:t>
+              <a:t>20.07.2021</a:t>
             </a:fld>
             <a:endParaRPr lang="de-DE"/>
           </a:p>
@@ -4025,7 +4025,7 @@
           <a:p>
             <a:fld id="{D4AD37E9-5A10-49A7-855D-CAA2D2E848B6}" type="datetimeFigureOut">
               <a:rPr lang="de-DE" smtClean="0"/>
-              <a:t>15.07.2021</a:t>
+              <a:t>20.07.2021</a:t>
             </a:fld>
             <a:endParaRPr lang="de-DE"/>
           </a:p>
@@ -4282,7 +4282,7 @@
           <a:p>
             <a:fld id="{D4AD37E9-5A10-49A7-855D-CAA2D2E848B6}" type="datetimeFigureOut">
               <a:rPr lang="de-DE" smtClean="0"/>
-              <a:t>15.07.2021</a:t>
+              <a:t>20.07.2021</a:t>
             </a:fld>
             <a:endParaRPr lang="de-DE"/>
           </a:p>
@@ -4514,7 +4514,7 @@
           <a:p>
             <a:fld id="{D4AD37E9-5A10-49A7-855D-CAA2D2E848B6}" type="datetimeFigureOut">
               <a:rPr lang="de-DE" smtClean="0"/>
-              <a:t>15.07.2021</a:t>
+              <a:t>20.07.2021</a:t>
             </a:fld>
             <a:endParaRPr lang="de-DE"/>
           </a:p>
@@ -4907,7 +4907,7 @@
           <a:p>
             <a:fld id="{D4AD37E9-5A10-49A7-855D-CAA2D2E848B6}" type="datetimeFigureOut">
               <a:rPr lang="de-DE" smtClean="0"/>
-              <a:t>15.07.2021</a:t>
+              <a:t>20.07.2021</a:t>
             </a:fld>
             <a:endParaRPr lang="de-DE"/>
           </a:p>
@@ -5025,7 +5025,7 @@
           <a:p>
             <a:fld id="{D4AD37E9-5A10-49A7-855D-CAA2D2E848B6}" type="datetimeFigureOut">
               <a:rPr lang="de-DE" smtClean="0"/>
-              <a:t>15.07.2021</a:t>
+              <a:t>20.07.2021</a:t>
             </a:fld>
             <a:endParaRPr lang="de-DE"/>
           </a:p>
@@ -5120,7 +5120,7 @@
           <a:p>
             <a:fld id="{D4AD37E9-5A10-49A7-855D-CAA2D2E848B6}" type="datetimeFigureOut">
               <a:rPr lang="de-DE" smtClean="0"/>
-              <a:t>15.07.2021</a:t>
+              <a:t>20.07.2021</a:t>
             </a:fld>
             <a:endParaRPr lang="de-DE"/>
           </a:p>
@@ -5393,7 +5393,7 @@
           <a:p>
             <a:fld id="{D4AD37E9-5A10-49A7-855D-CAA2D2E848B6}" type="datetimeFigureOut">
               <a:rPr lang="de-DE" smtClean="0"/>
-              <a:t>15.07.2021</a:t>
+              <a:t>20.07.2021</a:t>
             </a:fld>
             <a:endParaRPr lang="de-DE"/>
           </a:p>
@@ -5674,7 +5674,7 @@
           <a:p>
             <a:fld id="{D4AD37E9-5A10-49A7-855D-CAA2D2E848B6}" type="datetimeFigureOut">
               <a:rPr lang="de-DE" smtClean="0"/>
-              <a:t>15.07.2021</a:t>
+              <a:t>20.07.2021</a:t>
             </a:fld>
             <a:endParaRPr lang="de-DE"/>
           </a:p>
@@ -5914,7 +5914,7 @@
           <a:p>
             <a:fld id="{D4AD37E9-5A10-49A7-855D-CAA2D2E848B6}" type="datetimeFigureOut">
               <a:rPr lang="de-DE" smtClean="0"/>
-              <a:t>15.07.2021</a:t>
+              <a:t>20.07.2021</a:t>
             </a:fld>
             <a:endParaRPr lang="de-DE"/>
           </a:p>
@@ -6576,7 +6576,7 @@
           <a:p>
             <a:fld id="{D4AD37E9-5A10-49A7-855D-CAA2D2E848B6}" type="datetimeFigureOut">
               <a:rPr lang="de-DE" smtClean="0"/>
-              <a:t>15.07.2021</a:t>
+              <a:t>20.07.2021</a:t>
             </a:fld>
             <a:endParaRPr lang="de-DE"/>
           </a:p>
@@ -7129,7 +7129,7 @@
           <a:p>
             <a:fld id="{D4AD37E9-5A10-49A7-855D-CAA2D2E848B6}" type="datetimeFigureOut">
               <a:rPr lang="de-DE" smtClean="0"/>
-              <a:t>15.07.2021</a:t>
+              <a:t>20.07.2021</a:t>
             </a:fld>
             <a:endParaRPr lang="de-DE"/>
           </a:p>
@@ -7522,8 +7522,8 @@
         </p:nvSpPr>
         <p:spPr>
           <a:xfrm>
-            <a:off x="838200" y="1825625"/>
-            <a:ext cx="7958667" cy="4351338"/>
+            <a:off x="838201" y="1825625"/>
+            <a:ext cx="7772400" cy="4351338"/>
           </a:xfrm>
         </p:spPr>
         <p:txBody>
@@ -7632,7 +7632,7 @@
           <a:p>
             <a:fld id="{D4AD37E9-5A10-49A7-855D-CAA2D2E848B6}" type="datetimeFigureOut">
               <a:rPr lang="de-DE" smtClean="0"/>
-              <a:t>15.07.2021</a:t>
+              <a:t>20.07.2021</a:t>
             </a:fld>
             <a:endParaRPr lang="de-DE"/>
           </a:p>
